--- a/Documents/sushi_project_summary.pptx
+++ b/Documents/sushi_project_summary.pptx
@@ -5,36 +5,39 @@
     <p:sldMasterId id="2147483659" r:id="rId4"/>
   </p:sldMasterIdLst>
   <p:notesMasterIdLst>
-    <p:notesMasterId r:id="rId12"/>
+    <p:notesMasterId r:id="rId15"/>
   </p:notesMasterIdLst>
   <p:sldIdLst>
     <p:sldId id="256" r:id="rId5"/>
     <p:sldId id="258" r:id="rId6"/>
-    <p:sldId id="261" r:id="rId7"/>
-    <p:sldId id="262" r:id="rId8"/>
-    <p:sldId id="264" r:id="rId9"/>
-    <p:sldId id="263" r:id="rId10"/>
-    <p:sldId id="259" r:id="rId11"/>
+    <p:sldId id="265" r:id="rId7"/>
+    <p:sldId id="266" r:id="rId8"/>
+    <p:sldId id="261" r:id="rId9"/>
+    <p:sldId id="262" r:id="rId10"/>
+    <p:sldId id="264" r:id="rId11"/>
+    <p:sldId id="263" r:id="rId12"/>
+    <p:sldId id="259" r:id="rId13"/>
+    <p:sldId id="267" r:id="rId14"/>
   </p:sldIdLst>
   <p:sldSz cx="18288000" cy="10287000"/>
   <p:notesSz cx="6858000" cy="9144000"/>
   <p:embeddedFontLst>
     <p:embeddedFont>
       <p:font typeface="Calibri" panose="020F0502020204030204" pitchFamily="34" charset="0"/>
-      <p:regular r:id="rId13"/>
-      <p:bold r:id="rId14"/>
-      <p:italic r:id="rId15"/>
-      <p:boldItalic r:id="rId16"/>
+      <p:regular r:id="rId16"/>
+      <p:bold r:id="rId17"/>
+      <p:italic r:id="rId18"/>
+      <p:boldItalic r:id="rId19"/>
     </p:embeddedFont>
     <p:embeddedFont>
       <p:font typeface="Playfair Display Black" panose="00000A00000000000000" pitchFamily="2" charset="0"/>
-      <p:bold r:id="rId17"/>
-      <p:boldItalic r:id="rId18"/>
+      <p:bold r:id="rId20"/>
+      <p:boldItalic r:id="rId21"/>
     </p:embeddedFont>
     <p:embeddedFont>
       <p:font typeface="Raavi" panose="020B0502040204020203" pitchFamily="34" charset="0"/>
-      <p:regular r:id="rId19"/>
-      <p:bold r:id="rId20"/>
+      <p:regular r:id="rId22"/>
+      <p:bold r:id="rId23"/>
     </p:embeddedFont>
   </p:embeddedFontLst>
   <p:defaultTextStyle>
@@ -930,6 +933,224 @@
     <p:extLst>
       <p:ext uri="{BB962C8B-B14F-4D97-AF65-F5344CB8AC3E}">
         <p14:creationId xmlns:p14="http://schemas.microsoft.com/office/powerpoint/2010/main" val="1554054761"/>
+      </p:ext>
+    </p:extLst>
+  </p:cSld>
+  <p:clrMapOvr>
+    <a:masterClrMapping/>
+  </p:clrMapOvr>
+</p:notes>
+</file>
+
+<file path=ppt/notesSlides/notesSlide3.xml><?xml version="1.0" encoding="utf-8"?>
+<p:notes xmlns:a="http://schemas.openxmlformats.org/drawingml/2006/main" xmlns:r="http://schemas.openxmlformats.org/officeDocument/2006/relationships" xmlns:p="http://schemas.openxmlformats.org/presentationml/2006/main" showMasterSp="0" showMasterPhAnim="0">
+  <p:cSld>
+    <p:spTree>
+      <p:nvGrpSpPr>
+        <p:cNvPr id="1" name="Shape 80"/>
+        <p:cNvGrpSpPr/>
+        <p:nvPr/>
+      </p:nvGrpSpPr>
+      <p:grpSpPr>
+        <a:xfrm>
+          <a:off x="0" y="0"/>
+          <a:ext cx="0" cy="0"/>
+          <a:chOff x="0" y="0"/>
+          <a:chExt cx="0" cy="0"/>
+        </a:xfrm>
+      </p:grpSpPr>
+      <p:sp>
+        <p:nvSpPr>
+          <p:cNvPr id="81" name="Google Shape;81;p1:notes"/>
+          <p:cNvSpPr txBox="1">
+            <a:spLocks noGrp="1"/>
+          </p:cNvSpPr>
+          <p:nvPr>
+            <p:ph type="body" idx="1"/>
+          </p:nvPr>
+        </p:nvSpPr>
+        <p:spPr>
+          <a:xfrm>
+            <a:off x="685800" y="4343400"/>
+            <a:ext cx="5486400" cy="4114800"/>
+          </a:xfrm>
+          <a:prstGeom prst="rect">
+            <a:avLst/>
+          </a:prstGeom>
+        </p:spPr>
+        <p:txBody>
+          <a:bodyPr spcFirstLastPara="1" wrap="square" lIns="91425" tIns="91425" rIns="91425" bIns="91425" anchor="t" anchorCtr="0">
+            <a:noAutofit/>
+          </a:bodyPr>
+          <a:lstStyle/>
+          <a:p>
+            <a:pPr marL="0" lvl="0" indent="0" algn="l" rtl="0">
+              <a:spcBef>
+                <a:spcPts val="0"/>
+              </a:spcBef>
+              <a:spcAft>
+                <a:spcPts val="0"/>
+              </a:spcAft>
+              <a:buNone/>
+            </a:pPr>
+            <a:endParaRPr dirty="0"/>
+          </a:p>
+        </p:txBody>
+      </p:sp>
+      <p:sp>
+        <p:nvSpPr>
+          <p:cNvPr id="82" name="Google Shape;82;p1:notes"/>
+          <p:cNvSpPr>
+            <a:spLocks noGrp="1" noRot="1" noChangeAspect="1"/>
+          </p:cNvSpPr>
+          <p:nvPr>
+            <p:ph type="sldImg" idx="2"/>
+          </p:nvPr>
+        </p:nvSpPr>
+        <p:spPr>
+          <a:xfrm>
+            <a:off x="381000" y="685800"/>
+            <a:ext cx="6096000" cy="3429000"/>
+          </a:xfrm>
+          <a:custGeom>
+            <a:avLst/>
+            <a:gdLst/>
+            <a:ahLst/>
+            <a:cxnLst/>
+            <a:rect l="l" t="t" r="r" b="b"/>
+            <a:pathLst>
+              <a:path w="120000" h="120000" extrusionOk="0">
+                <a:moveTo>
+                  <a:pt x="0" y="0"/>
+                </a:moveTo>
+                <a:lnTo>
+                  <a:pt x="120000" y="0"/>
+                </a:lnTo>
+                <a:lnTo>
+                  <a:pt x="120000" y="120000"/>
+                </a:lnTo>
+                <a:lnTo>
+                  <a:pt x="0" y="120000"/>
+                </a:lnTo>
+                <a:close/>
+              </a:path>
+            </a:pathLst>
+          </a:custGeom>
+        </p:spPr>
+      </p:sp>
+    </p:spTree>
+    <p:extLst>
+      <p:ext uri="{BB962C8B-B14F-4D97-AF65-F5344CB8AC3E}">
+        <p14:creationId xmlns:p14="http://schemas.microsoft.com/office/powerpoint/2010/main" val="4132333588"/>
+      </p:ext>
+    </p:extLst>
+  </p:cSld>
+  <p:clrMapOvr>
+    <a:masterClrMapping/>
+  </p:clrMapOvr>
+</p:notes>
+</file>
+
+<file path=ppt/notesSlides/notesSlide4.xml><?xml version="1.0" encoding="utf-8"?>
+<p:notes xmlns:a="http://schemas.openxmlformats.org/drawingml/2006/main" xmlns:r="http://schemas.openxmlformats.org/officeDocument/2006/relationships" xmlns:p="http://schemas.openxmlformats.org/presentationml/2006/main" showMasterSp="0" showMasterPhAnim="0">
+  <p:cSld>
+    <p:spTree>
+      <p:nvGrpSpPr>
+        <p:cNvPr id="1" name="Shape 80"/>
+        <p:cNvGrpSpPr/>
+        <p:nvPr/>
+      </p:nvGrpSpPr>
+      <p:grpSpPr>
+        <a:xfrm>
+          <a:off x="0" y="0"/>
+          <a:ext cx="0" cy="0"/>
+          <a:chOff x="0" y="0"/>
+          <a:chExt cx="0" cy="0"/>
+        </a:xfrm>
+      </p:grpSpPr>
+      <p:sp>
+        <p:nvSpPr>
+          <p:cNvPr id="81" name="Google Shape;81;p1:notes"/>
+          <p:cNvSpPr txBox="1">
+            <a:spLocks noGrp="1"/>
+          </p:cNvSpPr>
+          <p:nvPr>
+            <p:ph type="body" idx="1"/>
+          </p:nvPr>
+        </p:nvSpPr>
+        <p:spPr>
+          <a:xfrm>
+            <a:off x="685800" y="4343400"/>
+            <a:ext cx="5486400" cy="4114800"/>
+          </a:xfrm>
+          <a:prstGeom prst="rect">
+            <a:avLst/>
+          </a:prstGeom>
+        </p:spPr>
+        <p:txBody>
+          <a:bodyPr spcFirstLastPara="1" wrap="square" lIns="91425" tIns="91425" rIns="91425" bIns="91425" anchor="t" anchorCtr="0">
+            <a:noAutofit/>
+          </a:bodyPr>
+          <a:lstStyle/>
+          <a:p>
+            <a:pPr marL="0" lvl="0" indent="0" algn="l" rtl="0">
+              <a:spcBef>
+                <a:spcPts val="0"/>
+              </a:spcBef>
+              <a:spcAft>
+                <a:spcPts val="0"/>
+              </a:spcAft>
+              <a:buNone/>
+            </a:pPr>
+            <a:endParaRPr dirty="0"/>
+          </a:p>
+        </p:txBody>
+      </p:sp>
+      <p:sp>
+        <p:nvSpPr>
+          <p:cNvPr id="82" name="Google Shape;82;p1:notes"/>
+          <p:cNvSpPr>
+            <a:spLocks noGrp="1" noRot="1" noChangeAspect="1"/>
+          </p:cNvSpPr>
+          <p:nvPr>
+            <p:ph type="sldImg" idx="2"/>
+          </p:nvPr>
+        </p:nvSpPr>
+        <p:spPr>
+          <a:xfrm>
+            <a:off x="381000" y="685800"/>
+            <a:ext cx="6096000" cy="3429000"/>
+          </a:xfrm>
+          <a:custGeom>
+            <a:avLst/>
+            <a:gdLst/>
+            <a:ahLst/>
+            <a:cxnLst/>
+            <a:rect l="l" t="t" r="r" b="b"/>
+            <a:pathLst>
+              <a:path w="120000" h="120000" extrusionOk="0">
+                <a:moveTo>
+                  <a:pt x="0" y="0"/>
+                </a:moveTo>
+                <a:lnTo>
+                  <a:pt x="120000" y="0"/>
+                </a:lnTo>
+                <a:lnTo>
+                  <a:pt x="120000" y="120000"/>
+                </a:lnTo>
+                <a:lnTo>
+                  <a:pt x="0" y="120000"/>
+                </a:lnTo>
+                <a:close/>
+              </a:path>
+            </a:pathLst>
+          </a:custGeom>
+        </p:spPr>
+      </p:sp>
+    </p:spTree>
+    <p:extLst>
+      <p:ext uri="{BB962C8B-B14F-4D97-AF65-F5344CB8AC3E}">
+        <p14:creationId xmlns:p14="http://schemas.microsoft.com/office/powerpoint/2010/main" val="730740621"/>
       </p:ext>
     </p:extLst>
   </p:cSld>
@@ -8629,7 +8850,7 @@
         <p:spPr>
           <a:xfrm>
             <a:off x="6677874" y="3176706"/>
-            <a:ext cx="4932251" cy="3323987"/>
+            <a:ext cx="4932251" cy="4062651"/>
           </a:xfrm>
           <a:prstGeom prst="rect">
             <a:avLst/>
@@ -8663,24 +8884,6 @@
               <a:t>Online Sushi</a:t>
             </a:r>
             <a:endParaRPr lang="en-US" sz="6000" dirty="0"/>
-          </a:p>
-          <a:p>
-            <a:pPr lvl="0">
-              <a:lnSpc>
-                <a:spcPct val="119998"/>
-              </a:lnSpc>
-            </a:pPr>
-            <a:r>
-              <a:rPr lang="en-US" sz="4000" dirty="0">
-                <a:solidFill>
-                  <a:srgbClr val="0B1320"/>
-                </a:solidFill>
-                <a:latin typeface="Raavi" panose="020B0502040204020203" pitchFamily="34" charset="0"/>
-                <a:cs typeface="Raavi" panose="020B0502040204020203" pitchFamily="34" charset="0"/>
-                <a:sym typeface="Playfair Display Black"/>
-              </a:rPr>
-              <a:t>Dongguo Wu</a:t>
-            </a:r>
           </a:p>
           <a:p>
             <a:pPr lvl="0">
@@ -8747,6 +8950,39 @@
               </a:rPr>
               <a:t> Chen</a:t>
             </a:r>
+          </a:p>
+          <a:p>
+            <a:pPr>
+              <a:lnSpc>
+                <a:spcPct val="119998"/>
+              </a:lnSpc>
+            </a:pPr>
+            <a:r>
+              <a:rPr lang="en-US" sz="4000" dirty="0">
+                <a:solidFill>
+                  <a:srgbClr val="0B1320"/>
+                </a:solidFill>
+                <a:latin typeface="Raavi" panose="020B0502040204020203" pitchFamily="34" charset="0"/>
+                <a:cs typeface="Raavi" panose="020B0502040204020203" pitchFamily="34" charset="0"/>
+                <a:sym typeface="Playfair Display Black"/>
+              </a:rPr>
+              <a:t>Dongguo Wu</a:t>
+            </a:r>
+          </a:p>
+          <a:p>
+            <a:pPr lvl="0">
+              <a:lnSpc>
+                <a:spcPct val="119998"/>
+              </a:lnSpc>
+            </a:pPr>
+            <a:endParaRPr lang="en-US" sz="4000" dirty="0">
+              <a:solidFill>
+                <a:srgbClr val="0B1320"/>
+              </a:solidFill>
+              <a:latin typeface="Raavi" panose="020B0502040204020203" pitchFamily="34" charset="0"/>
+              <a:cs typeface="Raavi" panose="020B0502040204020203" pitchFamily="34" charset="0"/>
+              <a:sym typeface="Playfair Display Black"/>
+            </a:endParaRPr>
           </a:p>
         </p:txBody>
       </p:sp>
@@ -8899,7 +9135,7 @@
 </p:sld>
 </file>
 
-<file path=ppt/slides/slide2.xml><?xml version="1.0" encoding="utf-8"?>
+<file path=ppt/slides/slide10.xml><?xml version="1.0" encoding="utf-8"?>
 <p:sld xmlns:a="http://schemas.openxmlformats.org/drawingml/2006/main" xmlns:r="http://schemas.openxmlformats.org/officeDocument/2006/relationships" xmlns:p="http://schemas.openxmlformats.org/presentationml/2006/main">
   <p:cSld>
     <p:spTree>
@@ -8924,8 +9160,8 @@
         </p:nvSpPr>
         <p:spPr>
           <a:xfrm>
-            <a:off x="5549475" y="2373511"/>
-            <a:ext cx="9515474" cy="5539978"/>
+            <a:off x="866774" y="1759498"/>
+            <a:ext cx="15649575" cy="3693319"/>
           </a:xfrm>
           <a:prstGeom prst="rect">
             <a:avLst/>
@@ -8956,8 +9192,15 @@
                 <a:cs typeface="Playfair Display Black"/>
                 <a:sym typeface="Playfair Display Black"/>
               </a:rPr>
-              <a:t>Main Technology</a:t>
+              <a:t>Future plans and potential improvements</a:t>
             </a:r>
+          </a:p>
+          <a:p>
+            <a:pPr lvl="0">
+              <a:lnSpc>
+                <a:spcPct val="119998"/>
+              </a:lnSpc>
+            </a:pPr>
             <a:endParaRPr lang="en-US" sz="6000" dirty="0"/>
           </a:p>
           <a:p>
@@ -8977,7 +9220,221 @@
                 <a:cs typeface="Raavi" panose="020B0502040204020203" pitchFamily="34" charset="0"/>
                 <a:sym typeface="Playfair Display Black"/>
               </a:rPr>
-              <a:t>User requirements research </a:t>
+              <a:t>Personalization: Enhance the user experience by providing personalized recommendations based on their browsing and purchase history.</a:t>
+            </a:r>
+          </a:p>
+        </p:txBody>
+      </p:sp>
+      <p:cxnSp>
+        <p:nvCxnSpPr>
+          <p:cNvPr id="101" name="Google Shape;101;p13"/>
+          <p:cNvCxnSpPr>
+            <a:cxnSpLocks/>
+          </p:cNvCxnSpPr>
+          <p:nvPr/>
+        </p:nvCxnSpPr>
+        <p:spPr>
+          <a:xfrm>
+            <a:off x="1258998" y="1600748"/>
+            <a:ext cx="15103252" cy="0"/>
+          </a:xfrm>
+          <a:prstGeom prst="straightConnector1">
+            <a:avLst/>
+          </a:prstGeom>
+          <a:noFill/>
+          <a:ln w="38100" cap="flat" cmpd="sng">
+            <a:solidFill>
+              <a:srgbClr val="0B1320"/>
+            </a:solidFill>
+            <a:prstDash val="solid"/>
+            <a:round/>
+            <a:headEnd type="none" w="sm" len="sm"/>
+            <a:tailEnd type="none" w="sm" len="sm"/>
+          </a:ln>
+        </p:spPr>
+      </p:cxnSp>
+    </p:spTree>
+    <p:extLst>
+      <p:ext uri="{BB962C8B-B14F-4D97-AF65-F5344CB8AC3E}">
+        <p14:creationId xmlns:p14="http://schemas.microsoft.com/office/powerpoint/2010/main" val="2264929356"/>
+      </p:ext>
+    </p:extLst>
+  </p:cSld>
+  <p:clrMapOvr>
+    <a:masterClrMapping/>
+  </p:clrMapOvr>
+  <p:timing>
+    <p:tnLst>
+      <p:par>
+        <p:cTn id="1" dur="indefinite" restart="never" nodeType="tmRoot">
+          <p:childTnLst>
+            <p:seq concurrent="1" nextAc="seek">
+              <p:cTn id="2" dur="indefinite" nodeType="mainSeq">
+                <p:childTnLst>
+                  <p:par>
+                    <p:cTn id="3" fill="hold">
+                      <p:stCondLst>
+                        <p:cond delay="indefinite"/>
+                      </p:stCondLst>
+                      <p:childTnLst>
+                        <p:par>
+                          <p:cTn id="4" fill="hold">
+                            <p:stCondLst>
+                              <p:cond delay="0"/>
+                            </p:stCondLst>
+                            <p:childTnLst>
+                              <p:par>
+                                <p:cTn id="5" presetID="10" presetClass="entr" presetSubtype="0" fill="hold" nodeType="clickEffect">
+                                  <p:stCondLst>
+                                    <p:cond delay="0"/>
+                                  </p:stCondLst>
+                                  <p:childTnLst>
+                                    <p:set>
+                                      <p:cBhvr>
+                                        <p:cTn id="6" dur="1" fill="hold">
+                                          <p:stCondLst>
+                                            <p:cond delay="0"/>
+                                          </p:stCondLst>
+                                        </p:cTn>
+                                        <p:tgtEl>
+                                          <p:spTgt spid="90"/>
+                                        </p:tgtEl>
+                                        <p:attrNameLst>
+                                          <p:attrName>style.visibility</p:attrName>
+                                        </p:attrNameLst>
+                                      </p:cBhvr>
+                                      <p:to>
+                                        <p:strVal val="visible"/>
+                                      </p:to>
+                                    </p:set>
+                                    <p:animEffect transition="in" filter="fade">
+                                      <p:cBhvr>
+                                        <p:cTn id="7" dur="500"/>
+                                        <p:tgtEl>
+                                          <p:spTgt spid="90"/>
+                                        </p:tgtEl>
+                                      </p:cBhvr>
+                                    </p:animEffect>
+                                  </p:childTnLst>
+                                </p:cTn>
+                              </p:par>
+                            </p:childTnLst>
+                          </p:cTn>
+                        </p:par>
+                      </p:childTnLst>
+                    </p:cTn>
+                  </p:par>
+                </p:childTnLst>
+              </p:cTn>
+              <p:prevCondLst>
+                <p:cond evt="onPrev" delay="0">
+                  <p:tgtEl>
+                    <p:sldTgt/>
+                  </p:tgtEl>
+                </p:cond>
+              </p:prevCondLst>
+              <p:nextCondLst>
+                <p:cond evt="onNext" delay="0">
+                  <p:tgtEl>
+                    <p:sldTgt/>
+                  </p:tgtEl>
+                </p:cond>
+              </p:nextCondLst>
+            </p:seq>
+          </p:childTnLst>
+        </p:cTn>
+      </p:par>
+    </p:tnLst>
+  </p:timing>
+</p:sld>
+</file>
+
+<file path=ppt/slides/slide2.xml><?xml version="1.0" encoding="utf-8"?>
+<p:sld xmlns:a="http://schemas.openxmlformats.org/drawingml/2006/main" xmlns:r="http://schemas.openxmlformats.org/officeDocument/2006/relationships" xmlns:p="http://schemas.openxmlformats.org/presentationml/2006/main">
+  <p:cSld>
+    <p:spTree>
+      <p:nvGrpSpPr>
+        <p:cNvPr id="1" name="Shape 83"/>
+        <p:cNvGrpSpPr/>
+        <p:nvPr/>
+      </p:nvGrpSpPr>
+      <p:grpSpPr>
+        <a:xfrm>
+          <a:off x="0" y="0"/>
+          <a:ext cx="0" cy="0"/>
+          <a:chOff x="0" y="0"/>
+          <a:chExt cx="0" cy="0"/>
+        </a:xfrm>
+      </p:grpSpPr>
+      <p:sp>
+        <p:nvSpPr>
+          <p:cNvPr id="90" name="Google Shape;90;p13"/>
+          <p:cNvSpPr txBox="1"/>
+          <p:nvPr/>
+        </p:nvSpPr>
+        <p:spPr>
+          <a:xfrm>
+            <a:off x="5235576" y="1759498"/>
+            <a:ext cx="9515474" cy="4431983"/>
+          </a:xfrm>
+          <a:prstGeom prst="rect">
+            <a:avLst/>
+          </a:prstGeom>
+          <a:noFill/>
+          <a:ln>
+            <a:noFill/>
+          </a:ln>
+        </p:spPr>
+        <p:txBody>
+          <a:bodyPr spcFirstLastPara="1" wrap="square" lIns="0" tIns="0" rIns="0" bIns="0" anchor="t" anchorCtr="0">
+            <a:spAutoFit/>
+          </a:bodyPr>
+          <a:lstStyle/>
+          <a:p>
+            <a:pPr lvl="0">
+              <a:lnSpc>
+                <a:spcPct val="119998"/>
+              </a:lnSpc>
+            </a:pPr>
+            <a:r>
+              <a:rPr lang="en-US" sz="6000" dirty="0">
+                <a:solidFill>
+                  <a:srgbClr val="0B1320"/>
+                </a:solidFill>
+                <a:latin typeface="Playfair Display Black"/>
+                <a:ea typeface="Playfair Display Black"/>
+                <a:cs typeface="Playfair Display Black"/>
+                <a:sym typeface="Playfair Display Black"/>
+              </a:rPr>
+              <a:t>Main Tasks</a:t>
+            </a:r>
+          </a:p>
+          <a:p>
+            <a:pPr lvl="0">
+              <a:lnSpc>
+                <a:spcPct val="119998"/>
+              </a:lnSpc>
+            </a:pPr>
+            <a:endParaRPr lang="en-US" sz="6000" dirty="0"/>
+          </a:p>
+          <a:p>
+            <a:pPr marL="571500" lvl="0" indent="-571500">
+              <a:lnSpc>
+                <a:spcPct val="119998"/>
+              </a:lnSpc>
+              <a:buFont typeface="Arial" panose="020B0604020202020204" pitchFamily="34" charset="0"/>
+              <a:buChar char="•"/>
+            </a:pPr>
+            <a:r>
+              <a:rPr lang="en-US" sz="4000" dirty="0">
+                <a:solidFill>
+                  <a:srgbClr val="0B1320"/>
+                </a:solidFill>
+                <a:latin typeface="Raavi" panose="020B0502040204020203" pitchFamily="34" charset="0"/>
+                <a:cs typeface="Raavi" panose="020B0502040204020203" pitchFamily="34" charset="0"/>
+                <a:sym typeface="Playfair Display Black"/>
+              </a:rPr>
+              <a:t>User Login  - Olga </a:t>
             </a:r>
           </a:p>
           <a:p>
@@ -8997,19 +9454,10 @@
                 <a:cs typeface="Raavi" panose="020B0502040204020203" pitchFamily="34" charset="0"/>
                 <a:sym typeface="Playfair Display Black"/>
               </a:rPr>
-              <a:t>Mobile-first &amp; responsive layout</a:t>
+              <a:t>Sushi List - </a:t>
             </a:r>
-          </a:p>
-          <a:p>
-            <a:pPr marL="571500" indent="-571500">
-              <a:lnSpc>
-                <a:spcPct val="119998"/>
-              </a:lnSpc>
-              <a:buFont typeface="Arial" panose="020B0604020202020204" pitchFamily="34" charset="0"/>
-              <a:buChar char="•"/>
-            </a:pPr>
             <a:r>
-              <a:rPr lang="en-US" sz="4000" dirty="0">
+              <a:rPr lang="en-US" sz="4000" dirty="0" err="1">
                 <a:solidFill>
                   <a:srgbClr val="0B1320"/>
                 </a:solidFill>
@@ -9017,48 +9465,16 @@
                 <a:cs typeface="Raavi" panose="020B0502040204020203" pitchFamily="34" charset="0"/>
                 <a:sym typeface="Playfair Display Black"/>
               </a:rPr>
-              <a:t>Dynamic generate elements</a:t>
+              <a:t>Xiaowei</a:t>
             </a:r>
-          </a:p>
-          <a:p>
-            <a:pPr marL="571500" indent="-571500">
-              <a:lnSpc>
-                <a:spcPct val="119998"/>
-              </a:lnSpc>
-              <a:buFont typeface="Arial" panose="020B0604020202020204" pitchFamily="34" charset="0"/>
-              <a:buChar char="•"/>
-            </a:pPr>
-            <a:r>
-              <a:rPr lang="en-US" sz="4000" dirty="0">
-                <a:solidFill>
-                  <a:srgbClr val="0B1320"/>
-                </a:solidFill>
-                <a:latin typeface="Raavi" panose="020B0502040204020203" pitchFamily="34" charset="0"/>
-                <a:cs typeface="Raavi" panose="020B0502040204020203" pitchFamily="34" charset="0"/>
-                <a:sym typeface="Playfair Display Black"/>
-              </a:rPr>
-              <a:t>Search and Sort</a:t>
-            </a:r>
-          </a:p>
-          <a:p>
-            <a:pPr marL="571500" indent="-571500">
-              <a:lnSpc>
-                <a:spcPct val="119998"/>
-              </a:lnSpc>
-              <a:buFont typeface="Arial" panose="020B0604020202020204" pitchFamily="34" charset="0"/>
-              <a:buChar char="•"/>
-            </a:pPr>
-            <a:r>
-              <a:rPr lang="en-US" sz="4000" dirty="0">
-                <a:solidFill>
-                  <a:srgbClr val="0B1320"/>
-                </a:solidFill>
-                <a:latin typeface="Raavi" panose="020B0502040204020203" pitchFamily="34" charset="0"/>
-                <a:cs typeface="Raavi" panose="020B0502040204020203" pitchFamily="34" charset="0"/>
-                <a:sym typeface="Playfair Display Black"/>
-              </a:rPr>
-              <a:t>Git GitHub </a:t>
-            </a:r>
+            <a:endParaRPr lang="en-US" sz="4000" dirty="0">
+              <a:solidFill>
+                <a:srgbClr val="0B1320"/>
+              </a:solidFill>
+              <a:latin typeface="Raavi" panose="020B0502040204020203" pitchFamily="34" charset="0"/>
+              <a:cs typeface="Raavi" panose="020B0502040204020203" pitchFamily="34" charset="0"/>
+              <a:sym typeface="Playfair Display Black"/>
+            </a:endParaRPr>
           </a:p>
           <a:p>
             <a:pPr marL="571500" lvl="0" indent="-571500">
@@ -9077,7 +9493,7 @@
                 <a:cs typeface="Raavi" panose="020B0502040204020203" pitchFamily="34" charset="0"/>
                 <a:sym typeface="Playfair Display Black"/>
               </a:rPr>
-              <a:t>Upload and download image</a:t>
+              <a:t>Sushi Manage - Dongguo</a:t>
             </a:r>
           </a:p>
         </p:txBody>
@@ -9225,6 +9641,486 @@
       </p:grpSpPr>
       <p:sp>
         <p:nvSpPr>
+          <p:cNvPr id="5" name="TextBox 4">
+            <a:extLst>
+              <a:ext uri="{FF2B5EF4-FFF2-40B4-BE49-F238E27FC236}">
+                <a16:creationId xmlns:a16="http://schemas.microsoft.com/office/drawing/2014/main" id="{7AB06926-7C71-19C6-D34A-100DA17DC49A}"/>
+              </a:ext>
+            </a:extLst>
+          </p:cNvPr>
+          <p:cNvSpPr txBox="1"/>
+          <p:nvPr/>
+        </p:nvSpPr>
+        <p:spPr>
+          <a:xfrm>
+            <a:off x="2458387" y="1409075"/>
+            <a:ext cx="13356236" cy="707886"/>
+          </a:xfrm>
+          <a:prstGeom prst="rect">
+            <a:avLst/>
+          </a:prstGeom>
+          <a:noFill/>
+        </p:spPr>
+        <p:txBody>
+          <a:bodyPr wrap="square" rtlCol="0">
+            <a:spAutoFit/>
+          </a:bodyPr>
+          <a:lstStyle/>
+          <a:p>
+            <a:r>
+              <a:rPr lang="en-US" sz="4000" dirty="0"/>
+              <a:t>List-Page(</a:t>
+            </a:r>
+            <a:r>
+              <a:rPr lang="en-US" sz="4000" dirty="0" err="1"/>
+              <a:t>xiaowei</a:t>
+            </a:r>
+            <a:r>
+              <a:rPr lang="en-US" sz="4000" dirty="0"/>
+              <a:t>):</a:t>
+            </a:r>
+          </a:p>
+        </p:txBody>
+      </p:sp>
+      <p:sp>
+        <p:nvSpPr>
+          <p:cNvPr id="6" name="TextBox 5">
+            <a:extLst>
+              <a:ext uri="{FF2B5EF4-FFF2-40B4-BE49-F238E27FC236}">
+                <a16:creationId xmlns:a16="http://schemas.microsoft.com/office/drawing/2014/main" id="{D20E9C88-9B06-8C20-AC0A-41788E5874DC}"/>
+              </a:ext>
+            </a:extLst>
+          </p:cNvPr>
+          <p:cNvSpPr txBox="1"/>
+          <p:nvPr/>
+        </p:nvSpPr>
+        <p:spPr>
+          <a:xfrm>
+            <a:off x="2458386" y="2488367"/>
+            <a:ext cx="14015803" cy="6986528"/>
+          </a:xfrm>
+          <a:prstGeom prst="rect">
+            <a:avLst/>
+          </a:prstGeom>
+          <a:noFill/>
+        </p:spPr>
+        <p:txBody>
+          <a:bodyPr wrap="square" rtlCol="0">
+            <a:spAutoFit/>
+          </a:bodyPr>
+          <a:lstStyle/>
+          <a:p>
+            <a:r>
+              <a:rPr lang="en-US" sz="2800" dirty="0"/>
+              <a:t>What I have done:</a:t>
+            </a:r>
+          </a:p>
+          <a:p>
+            <a:endParaRPr lang="en-US" sz="2800" dirty="0"/>
+          </a:p>
+          <a:p>
+            <a:r>
+              <a:rPr lang="en-US" sz="2800" dirty="0"/>
+              <a:t>1, generated dynamic cards and fetch data from data file to rendering on the cards.</a:t>
+            </a:r>
+          </a:p>
+          <a:p>
+            <a:r>
+              <a:rPr lang="en-US" sz="2800" dirty="0"/>
+              <a:t>2, responsive page</a:t>
+            </a:r>
+          </a:p>
+          <a:p>
+            <a:r>
+              <a:rPr lang="en-US" sz="2800" dirty="0"/>
+              <a:t>3, sort the cards by price</a:t>
+            </a:r>
+          </a:p>
+          <a:p>
+            <a:r>
+              <a:rPr lang="en-US" sz="2800" dirty="0"/>
+              <a:t>4, search item based on the title</a:t>
+            </a:r>
+          </a:p>
+          <a:p>
+            <a:r>
+              <a:rPr lang="en-US" sz="2800" dirty="0"/>
+              <a:t>5, plus and minus button</a:t>
+            </a:r>
+          </a:p>
+          <a:p>
+            <a:r>
+              <a:rPr lang="en-US" sz="2800" dirty="0"/>
+              <a:t>6, shopping cart icon to show order numbers</a:t>
+            </a:r>
+          </a:p>
+          <a:p>
+            <a:r>
+              <a:rPr lang="en-US" sz="2800" dirty="0"/>
+              <a:t>7, displaying current weather on the navbar with API</a:t>
+            </a:r>
+          </a:p>
+          <a:p>
+            <a:endParaRPr lang="en-US" sz="2800" dirty="0"/>
+          </a:p>
+          <a:p>
+            <a:endParaRPr lang="en-US" sz="2800" dirty="0"/>
+          </a:p>
+          <a:p>
+            <a:r>
+              <a:rPr lang="en-US" sz="2800" dirty="0"/>
+              <a:t>What problem I need to fix:</a:t>
+            </a:r>
+          </a:p>
+          <a:p>
+            <a:r>
+              <a:rPr lang="en-US" sz="2800" dirty="0"/>
+              <a:t>1, the item card elements displaying not in the correct position after searching</a:t>
+            </a:r>
+          </a:p>
+          <a:p>
+            <a:r>
+              <a:rPr lang="en-US" sz="2800" dirty="0"/>
+              <a:t>2, the order numbers counting has little logic problem there, need to fix</a:t>
+            </a:r>
+          </a:p>
+          <a:p>
+            <a:r>
+              <a:rPr lang="en-US" sz="2800" dirty="0"/>
+              <a:t>3, because of the time limited, I have not moved the data to database yet</a:t>
+            </a:r>
+          </a:p>
+          <a:p>
+            <a:endParaRPr lang="en-CA" sz="2800" dirty="0"/>
+          </a:p>
+        </p:txBody>
+      </p:sp>
+    </p:spTree>
+    <p:extLst>
+      <p:ext uri="{BB962C8B-B14F-4D97-AF65-F5344CB8AC3E}">
+        <p14:creationId xmlns:p14="http://schemas.microsoft.com/office/powerpoint/2010/main" val="3673208416"/>
+      </p:ext>
+    </p:extLst>
+  </p:cSld>
+  <p:clrMapOvr>
+    <a:masterClrMapping/>
+  </p:clrMapOvr>
+</p:sld>
+</file>
+
+<file path=ppt/slides/slide4.xml><?xml version="1.0" encoding="utf-8"?>
+<p:sld xmlns:a="http://schemas.openxmlformats.org/drawingml/2006/main" xmlns:r="http://schemas.openxmlformats.org/officeDocument/2006/relationships" xmlns:p="http://schemas.openxmlformats.org/presentationml/2006/main">
+  <p:cSld>
+    <p:spTree>
+      <p:nvGrpSpPr>
+        <p:cNvPr id="1" name="Shape 83"/>
+        <p:cNvGrpSpPr/>
+        <p:nvPr/>
+      </p:nvGrpSpPr>
+      <p:grpSpPr>
+        <a:xfrm>
+          <a:off x="0" y="0"/>
+          <a:ext cx="0" cy="0"/>
+          <a:chOff x="0" y="0"/>
+          <a:chExt cx="0" cy="0"/>
+        </a:xfrm>
+      </p:grpSpPr>
+      <p:sp>
+        <p:nvSpPr>
+          <p:cNvPr id="90" name="Google Shape;90;p13"/>
+          <p:cNvSpPr txBox="1"/>
+          <p:nvPr/>
+        </p:nvSpPr>
+        <p:spPr>
+          <a:xfrm>
+            <a:off x="5235576" y="1759498"/>
+            <a:ext cx="9515474" cy="5909310"/>
+          </a:xfrm>
+          <a:prstGeom prst="rect">
+            <a:avLst/>
+          </a:prstGeom>
+          <a:noFill/>
+          <a:ln>
+            <a:noFill/>
+          </a:ln>
+        </p:spPr>
+        <p:txBody>
+          <a:bodyPr spcFirstLastPara="1" wrap="square" lIns="0" tIns="0" rIns="0" bIns="0" anchor="t" anchorCtr="0">
+            <a:spAutoFit/>
+          </a:bodyPr>
+          <a:lstStyle/>
+          <a:p>
+            <a:pPr lvl="0">
+              <a:lnSpc>
+                <a:spcPct val="119998"/>
+              </a:lnSpc>
+            </a:pPr>
+            <a:r>
+              <a:rPr lang="en-US" sz="6000" dirty="0">
+                <a:solidFill>
+                  <a:srgbClr val="0B1320"/>
+                </a:solidFill>
+                <a:latin typeface="Playfair Display Black"/>
+                <a:ea typeface="Playfair Display Black"/>
+                <a:cs typeface="Playfair Display Black"/>
+                <a:sym typeface="Playfair Display Black"/>
+              </a:rPr>
+              <a:t>Main Technologies</a:t>
+            </a:r>
+          </a:p>
+          <a:p>
+            <a:pPr lvl="0">
+              <a:lnSpc>
+                <a:spcPct val="119998"/>
+              </a:lnSpc>
+            </a:pPr>
+            <a:endParaRPr lang="en-US" sz="6000" dirty="0"/>
+          </a:p>
+          <a:p>
+            <a:pPr marL="571500" lvl="0" indent="-571500">
+              <a:lnSpc>
+                <a:spcPct val="119998"/>
+              </a:lnSpc>
+              <a:buFont typeface="Arial" panose="020B0604020202020204" pitchFamily="34" charset="0"/>
+              <a:buChar char="•"/>
+            </a:pPr>
+            <a:r>
+              <a:rPr lang="en-US" sz="4000" dirty="0">
+                <a:solidFill>
+                  <a:srgbClr val="0B1320"/>
+                </a:solidFill>
+                <a:latin typeface="Raavi" panose="020B0502040204020203" pitchFamily="34" charset="0"/>
+                <a:cs typeface="Raavi" panose="020B0502040204020203" pitchFamily="34" charset="0"/>
+                <a:sym typeface="Playfair Display Black"/>
+              </a:rPr>
+              <a:t>User Requirements Research</a:t>
+            </a:r>
+          </a:p>
+          <a:p>
+            <a:pPr marL="571500" lvl="0" indent="-571500">
+              <a:lnSpc>
+                <a:spcPct val="119998"/>
+              </a:lnSpc>
+              <a:buFont typeface="Arial" panose="020B0604020202020204" pitchFamily="34" charset="0"/>
+              <a:buChar char="•"/>
+            </a:pPr>
+            <a:r>
+              <a:rPr lang="en-US" sz="4000" dirty="0">
+                <a:solidFill>
+                  <a:srgbClr val="0B1320"/>
+                </a:solidFill>
+                <a:latin typeface="Raavi" panose="020B0502040204020203" pitchFamily="34" charset="0"/>
+                <a:cs typeface="Raavi" panose="020B0502040204020203" pitchFamily="34" charset="0"/>
+                <a:sym typeface="Playfair Display Black"/>
+              </a:rPr>
+              <a:t>Mobile-first &amp; Responsive Layout</a:t>
+            </a:r>
+          </a:p>
+          <a:p>
+            <a:pPr marL="571500" indent="-571500">
+              <a:lnSpc>
+                <a:spcPct val="119998"/>
+              </a:lnSpc>
+              <a:buFont typeface="Arial" panose="020B0604020202020204" pitchFamily="34" charset="0"/>
+              <a:buChar char="•"/>
+            </a:pPr>
+            <a:r>
+              <a:rPr lang="en-US" sz="4000" dirty="0">
+                <a:solidFill>
+                  <a:srgbClr val="0B1320"/>
+                </a:solidFill>
+                <a:latin typeface="Raavi" panose="020B0502040204020203" pitchFamily="34" charset="0"/>
+                <a:cs typeface="Raavi" panose="020B0502040204020203" pitchFamily="34" charset="0"/>
+                <a:sym typeface="Playfair Display Black"/>
+              </a:rPr>
+              <a:t>Search and Sort</a:t>
+            </a:r>
+          </a:p>
+          <a:p>
+            <a:pPr marL="571500" indent="-571500">
+              <a:lnSpc>
+                <a:spcPct val="119998"/>
+              </a:lnSpc>
+              <a:buFont typeface="Arial" panose="020B0604020202020204" pitchFamily="34" charset="0"/>
+              <a:buChar char="•"/>
+            </a:pPr>
+            <a:r>
+              <a:rPr lang="en-US" sz="4000" dirty="0">
+                <a:solidFill>
+                  <a:srgbClr val="0B1320"/>
+                </a:solidFill>
+                <a:latin typeface="Raavi" panose="020B0502040204020203" pitchFamily="34" charset="0"/>
+                <a:cs typeface="Raavi" panose="020B0502040204020203" pitchFamily="34" charset="0"/>
+                <a:sym typeface="Playfair Display Black"/>
+              </a:rPr>
+              <a:t>Git GitHub </a:t>
+            </a:r>
+          </a:p>
+          <a:p>
+            <a:pPr marL="571500" lvl="0" indent="-571500">
+              <a:lnSpc>
+                <a:spcPct val="119998"/>
+              </a:lnSpc>
+              <a:buFont typeface="Arial" panose="020B0604020202020204" pitchFamily="34" charset="0"/>
+              <a:buChar char="•"/>
+            </a:pPr>
+            <a:r>
+              <a:rPr lang="en-US" sz="4000" dirty="0">
+                <a:solidFill>
+                  <a:srgbClr val="0B1320"/>
+                </a:solidFill>
+                <a:latin typeface="Raavi" panose="020B0502040204020203" pitchFamily="34" charset="0"/>
+                <a:cs typeface="Raavi" panose="020B0502040204020203" pitchFamily="34" charset="0"/>
+                <a:sym typeface="Playfair Display Black"/>
+              </a:rPr>
+              <a:t>Upload and Download Image</a:t>
+            </a:r>
+          </a:p>
+        </p:txBody>
+      </p:sp>
+      <p:cxnSp>
+        <p:nvCxnSpPr>
+          <p:cNvPr id="101" name="Google Shape;101;p13"/>
+          <p:cNvCxnSpPr>
+            <a:cxnSpLocks/>
+          </p:cNvCxnSpPr>
+          <p:nvPr/>
+        </p:nvCxnSpPr>
+        <p:spPr>
+          <a:xfrm>
+            <a:off x="1258998" y="1600748"/>
+            <a:ext cx="15103252" cy="0"/>
+          </a:xfrm>
+          <a:prstGeom prst="straightConnector1">
+            <a:avLst/>
+          </a:prstGeom>
+          <a:noFill/>
+          <a:ln w="38100" cap="flat" cmpd="sng">
+            <a:solidFill>
+              <a:srgbClr val="0B1320"/>
+            </a:solidFill>
+            <a:prstDash val="solid"/>
+            <a:round/>
+            <a:headEnd type="none" w="sm" len="sm"/>
+            <a:tailEnd type="none" w="sm" len="sm"/>
+          </a:ln>
+        </p:spPr>
+      </p:cxnSp>
+    </p:spTree>
+    <p:extLst>
+      <p:ext uri="{BB962C8B-B14F-4D97-AF65-F5344CB8AC3E}">
+        <p14:creationId xmlns:p14="http://schemas.microsoft.com/office/powerpoint/2010/main" val="3567391863"/>
+      </p:ext>
+    </p:extLst>
+  </p:cSld>
+  <p:clrMapOvr>
+    <a:masterClrMapping/>
+  </p:clrMapOvr>
+  <p:timing>
+    <p:tnLst>
+      <p:par>
+        <p:cTn id="1" dur="indefinite" restart="never" nodeType="tmRoot">
+          <p:childTnLst>
+            <p:seq concurrent="1" nextAc="seek">
+              <p:cTn id="2" dur="indefinite" nodeType="mainSeq">
+                <p:childTnLst>
+                  <p:par>
+                    <p:cTn id="3" fill="hold">
+                      <p:stCondLst>
+                        <p:cond delay="indefinite"/>
+                      </p:stCondLst>
+                      <p:childTnLst>
+                        <p:par>
+                          <p:cTn id="4" fill="hold">
+                            <p:stCondLst>
+                              <p:cond delay="0"/>
+                            </p:stCondLst>
+                            <p:childTnLst>
+                              <p:par>
+                                <p:cTn id="5" presetID="10" presetClass="entr" presetSubtype="0" fill="hold" nodeType="clickEffect">
+                                  <p:stCondLst>
+                                    <p:cond delay="0"/>
+                                  </p:stCondLst>
+                                  <p:childTnLst>
+                                    <p:set>
+                                      <p:cBhvr>
+                                        <p:cTn id="6" dur="1" fill="hold">
+                                          <p:stCondLst>
+                                            <p:cond delay="0"/>
+                                          </p:stCondLst>
+                                        </p:cTn>
+                                        <p:tgtEl>
+                                          <p:spTgt spid="90"/>
+                                        </p:tgtEl>
+                                        <p:attrNameLst>
+                                          <p:attrName>style.visibility</p:attrName>
+                                        </p:attrNameLst>
+                                      </p:cBhvr>
+                                      <p:to>
+                                        <p:strVal val="visible"/>
+                                      </p:to>
+                                    </p:set>
+                                    <p:animEffect transition="in" filter="fade">
+                                      <p:cBhvr>
+                                        <p:cTn id="7" dur="500"/>
+                                        <p:tgtEl>
+                                          <p:spTgt spid="90"/>
+                                        </p:tgtEl>
+                                      </p:cBhvr>
+                                    </p:animEffect>
+                                  </p:childTnLst>
+                                </p:cTn>
+                              </p:par>
+                            </p:childTnLst>
+                          </p:cTn>
+                        </p:par>
+                      </p:childTnLst>
+                    </p:cTn>
+                  </p:par>
+                </p:childTnLst>
+              </p:cTn>
+              <p:prevCondLst>
+                <p:cond evt="onPrev" delay="0">
+                  <p:tgtEl>
+                    <p:sldTgt/>
+                  </p:tgtEl>
+                </p:cond>
+              </p:prevCondLst>
+              <p:nextCondLst>
+                <p:cond evt="onNext" delay="0">
+                  <p:tgtEl>
+                    <p:sldTgt/>
+                  </p:tgtEl>
+                </p:cond>
+              </p:nextCondLst>
+            </p:seq>
+          </p:childTnLst>
+        </p:cTn>
+      </p:par>
+    </p:tnLst>
+  </p:timing>
+</p:sld>
+</file>
+
+<file path=ppt/slides/slide5.xml><?xml version="1.0" encoding="utf-8"?>
+<p:sld xmlns:a="http://schemas.openxmlformats.org/drawingml/2006/main" xmlns:r="http://schemas.openxmlformats.org/officeDocument/2006/relationships" xmlns:p="http://schemas.openxmlformats.org/presentationml/2006/main">
+  <p:cSld>
+    <p:spTree>
+      <p:nvGrpSpPr>
+        <p:cNvPr id="1" name=""/>
+        <p:cNvGrpSpPr/>
+        <p:nvPr/>
+      </p:nvGrpSpPr>
+      <p:grpSpPr>
+        <a:xfrm>
+          <a:off x="0" y="0"/>
+          <a:ext cx="0" cy="0"/>
+          <a:chOff x="0" y="0"/>
+          <a:chExt cx="0" cy="0"/>
+        </a:xfrm>
+      </p:grpSpPr>
+      <p:sp>
+        <p:nvSpPr>
           <p:cNvPr id="2" name="Title 1">
             <a:extLst>
               <a:ext uri="{FF2B5EF4-FFF2-40B4-BE49-F238E27FC236}">
@@ -9261,7 +10157,7 @@
                 <a:cs typeface="Raavi" panose="020B0502040204020203" pitchFamily="34" charset="0"/>
                 <a:sym typeface="Playfair Display Black"/>
               </a:rPr>
-              <a:t>User requirements research</a:t>
+              <a:t>User Requirements Research</a:t>
             </a:r>
             <a:endParaRPr lang="en-US" dirty="0"/>
           </a:p>
@@ -9323,7 +10219,7 @@
         </p:blipFill>
         <p:spPr>
           <a:xfrm>
-            <a:off x="3619008" y="1560513"/>
+            <a:off x="3537120" y="2174173"/>
             <a:ext cx="8673929" cy="14208827"/>
           </a:xfrm>
           <a:prstGeom prst="rect">
@@ -9344,7 +10240,7 @@
 </p:sld>
 </file>
 
-<file path=ppt/slides/slide4.xml><?xml version="1.0" encoding="utf-8"?>
+<file path=ppt/slides/slide6.xml><?xml version="1.0" encoding="utf-8"?>
 <p:sld xmlns:a="http://schemas.openxmlformats.org/drawingml/2006/main" xmlns:r="http://schemas.openxmlformats.org/officeDocument/2006/relationships" xmlns:p="http://schemas.openxmlformats.org/presentationml/2006/main">
   <p:cSld>
     <p:spTree>
@@ -9531,7 +10427,7 @@
 </p:sld>
 </file>
 
-<file path=ppt/slides/slide5.xml><?xml version="1.0" encoding="utf-8"?>
+<file path=ppt/slides/slide7.xml><?xml version="1.0" encoding="utf-8"?>
 <p:sld xmlns:a="http://schemas.openxmlformats.org/drawingml/2006/main" xmlns:r="http://schemas.openxmlformats.org/officeDocument/2006/relationships" xmlns:p="http://schemas.openxmlformats.org/presentationml/2006/main">
   <p:cSld>
     <p:spTree>
@@ -9672,7 +10568,7 @@
 </p:sld>
 </file>
 
-<file path=ppt/slides/slide6.xml><?xml version="1.0" encoding="utf-8"?>
+<file path=ppt/slides/slide8.xml><?xml version="1.0" encoding="utf-8"?>
 <p:sld xmlns:a="http://schemas.openxmlformats.org/drawingml/2006/main" xmlns:r="http://schemas.openxmlformats.org/officeDocument/2006/relationships" xmlns:p="http://schemas.openxmlformats.org/presentationml/2006/main">
   <p:cSld>
     <p:spTree>
@@ -9813,7 +10709,7 @@
 </p:sld>
 </file>
 
-<file path=ppt/slides/slide7.xml><?xml version="1.0" encoding="utf-8"?>
+<file path=ppt/slides/slide9.xml><?xml version="1.0" encoding="utf-8"?>
 <p:sld xmlns:a="http://schemas.openxmlformats.org/drawingml/2006/main" xmlns:r="http://schemas.openxmlformats.org/officeDocument/2006/relationships" xmlns:p="http://schemas.openxmlformats.org/presentationml/2006/main">
   <p:cSld>
     <p:spTree>
@@ -9947,6 +10843,157 @@
           </a:ln>
         </p:spPr>
       </p:cxnSp>
+      <p:sp>
+        <p:nvSpPr>
+          <p:cNvPr id="3" name="Arrow: Down 2">
+            <a:extLst>
+              <a:ext uri="{FF2B5EF4-FFF2-40B4-BE49-F238E27FC236}">
+                <a16:creationId xmlns:a16="http://schemas.microsoft.com/office/drawing/2014/main" id="{8E7F9869-0F8E-B207-5097-9502F607D8C1}"/>
+              </a:ext>
+            </a:extLst>
+          </p:cNvPr>
+          <p:cNvSpPr/>
+          <p:nvPr/>
+        </p:nvSpPr>
+        <p:spPr>
+          <a:xfrm rot="2907364">
+            <a:off x="7443779" y="4196107"/>
+            <a:ext cx="1095375" cy="4140860"/>
+          </a:xfrm>
+          <a:prstGeom prst="downArrow">
+            <a:avLst/>
+          </a:prstGeom>
+        </p:spPr>
+        <p:style>
+          <a:lnRef idx="2">
+            <a:schemeClr val="accent1">
+              <a:shade val="50000"/>
+            </a:schemeClr>
+          </a:lnRef>
+          <a:fillRef idx="1">
+            <a:schemeClr val="accent1"/>
+          </a:fillRef>
+          <a:effectRef idx="0">
+            <a:schemeClr val="accent1"/>
+          </a:effectRef>
+          <a:fontRef idx="minor">
+            <a:schemeClr val="lt1"/>
+          </a:fontRef>
+        </p:style>
+        <p:txBody>
+          <a:bodyPr rtlCol="0" anchor="ctr"/>
+          <a:lstStyle/>
+          <a:p>
+            <a:pPr algn="ctr"/>
+            <a:endParaRPr lang="en-US"/>
+          </a:p>
+        </p:txBody>
+      </p:sp>
+      <p:sp>
+        <p:nvSpPr>
+          <p:cNvPr id="4" name="TextBox 3">
+            <a:extLst>
+              <a:ext uri="{FF2B5EF4-FFF2-40B4-BE49-F238E27FC236}">
+                <a16:creationId xmlns:a16="http://schemas.microsoft.com/office/drawing/2014/main" id="{189E954F-62EE-DAB7-8528-136E8B6581E2}"/>
+              </a:ext>
+            </a:extLst>
+          </p:cNvPr>
+          <p:cNvSpPr txBox="1"/>
+          <p:nvPr/>
+        </p:nvSpPr>
+        <p:spPr>
+          <a:xfrm>
+            <a:off x="8361251" y="6266537"/>
+            <a:ext cx="4281941" cy="523220"/>
+          </a:xfrm>
+          <a:prstGeom prst="rect">
+            <a:avLst/>
+          </a:prstGeom>
+          <a:noFill/>
+        </p:spPr>
+        <p:txBody>
+          <a:bodyPr wrap="none" rtlCol="0">
+            <a:spAutoFit/>
+          </a:bodyPr>
+          <a:lstStyle/>
+          <a:p>
+            <a:r>
+              <a:rPr lang="en-US" sz="2800" dirty="0"/>
+              <a:t>7. Git Merge Main Branch</a:t>
+            </a:r>
+          </a:p>
+        </p:txBody>
+      </p:sp>
+      <p:sp>
+        <p:nvSpPr>
+          <p:cNvPr id="6" name="TextBox 5">
+            <a:extLst>
+              <a:ext uri="{FF2B5EF4-FFF2-40B4-BE49-F238E27FC236}">
+                <a16:creationId xmlns:a16="http://schemas.microsoft.com/office/drawing/2014/main" id="{CEFEC123-7AA0-1046-8ED4-ADB06B160603}"/>
+              </a:ext>
+            </a:extLst>
+          </p:cNvPr>
+          <p:cNvSpPr txBox="1"/>
+          <p:nvPr/>
+        </p:nvSpPr>
+        <p:spPr>
+          <a:xfrm>
+            <a:off x="8361250" y="6758087"/>
+            <a:ext cx="4281941" cy="523220"/>
+          </a:xfrm>
+          <a:prstGeom prst="rect">
+            <a:avLst/>
+          </a:prstGeom>
+          <a:noFill/>
+        </p:spPr>
+        <p:txBody>
+          <a:bodyPr wrap="none" rtlCol="0">
+            <a:spAutoFit/>
+          </a:bodyPr>
+          <a:lstStyle/>
+          <a:p>
+            <a:r>
+              <a:rPr lang="en-US" sz="2800" dirty="0"/>
+              <a:t>8. Git Merge Main Branch</a:t>
+            </a:r>
+          </a:p>
+        </p:txBody>
+      </p:sp>
+      <p:sp>
+        <p:nvSpPr>
+          <p:cNvPr id="7" name="TextBox 6">
+            <a:extLst>
+              <a:ext uri="{FF2B5EF4-FFF2-40B4-BE49-F238E27FC236}">
+                <a16:creationId xmlns:a16="http://schemas.microsoft.com/office/drawing/2014/main" id="{B5D2F4D0-DAE8-8DFA-4CA3-CBB096CE1C3D}"/>
+              </a:ext>
+            </a:extLst>
+          </p:cNvPr>
+          <p:cNvSpPr txBox="1"/>
+          <p:nvPr/>
+        </p:nvSpPr>
+        <p:spPr>
+          <a:xfrm>
+            <a:off x="8361250" y="7227705"/>
+            <a:ext cx="4281941" cy="523220"/>
+          </a:xfrm>
+          <a:prstGeom prst="rect">
+            <a:avLst/>
+          </a:prstGeom>
+          <a:noFill/>
+        </p:spPr>
+        <p:txBody>
+          <a:bodyPr wrap="none" rtlCol="0">
+            <a:spAutoFit/>
+          </a:bodyPr>
+          <a:lstStyle/>
+          <a:p>
+            <a:r>
+              <a:rPr lang="en-US" sz="2800" dirty="0"/>
+              <a:t>9. Git Merge Main Branch</a:t>
+            </a:r>
+          </a:p>
+        </p:txBody>
+      </p:sp>
     </p:spTree>
     <p:extLst>
       <p:ext uri="{BB962C8B-B14F-4D97-AF65-F5344CB8AC3E}">
@@ -10523,6 +11570,15 @@
 </file>
 
 <file path=customXml/item1.xml><?xml version="1.0" encoding="utf-8"?>
+<?mso-contentType ?>
+<FormTemplates xmlns="http://schemas.microsoft.com/sharepoint/v3/contenttype/forms">
+  <Display>DocumentLibraryForm</Display>
+  <Edit>DocumentLibraryForm</Edit>
+  <New>DocumentLibraryForm</New>
+</FormTemplates>
+</file>
+
+<file path=customXml/item2.xml><?xml version="1.0" encoding="utf-8"?>
 <ct:contentTypeSchema xmlns:ct="http://schemas.microsoft.com/office/2006/metadata/contentType" xmlns:ma="http://schemas.microsoft.com/office/2006/metadata/properties/metaAttributes" ct:_="" ma:_="" ma:contentTypeName="Document" ma:contentTypeID="0x0101007933C5876CF8B14FB25009BC8B6FCF75" ma:contentTypeVersion="10" ma:contentTypeDescription="Create a new document." ma:contentTypeScope="" ma:versionID="94c33bec420df109bda06e7f885854b8">
   <xsd:schema xmlns:xsd="http://www.w3.org/2001/XMLSchema" xmlns:xs="http://www.w3.org/2001/XMLSchema" xmlns:p="http://schemas.microsoft.com/office/2006/metadata/properties" xmlns:ns2="3069e12a-73fc-4131-a847-61c121fd5e5b" xmlns:ns3="6c408122-5d78-4284-a254-ad0369ce0e58" targetNamespace="http://schemas.microsoft.com/office/2006/metadata/properties" ma:root="true" ma:fieldsID="4e149b171deaac90221ba2519a0095f4" ns2:_="" ns3:_="">
     <xsd:import namespace="3069e12a-73fc-4131-a847-61c121fd5e5b"/>
@@ -10711,15 +11767,6 @@
 </ct:contentTypeSchema>
 </file>
 
-<file path=customXml/item2.xml><?xml version="1.0" encoding="utf-8"?>
-<?mso-contentType ?>
-<FormTemplates xmlns="http://schemas.microsoft.com/sharepoint/v3/contenttype/forms">
-  <Display>DocumentLibraryForm</Display>
-  <Edit>DocumentLibraryForm</Edit>
-  <New>DocumentLibraryForm</New>
-</FormTemplates>
-</file>
-
 <file path=customXml/item3.xml><?xml version="1.0" encoding="utf-8"?>
 <p:properties xmlns:p="http://schemas.microsoft.com/office/2006/metadata/properties" xmlns:xsi="http://www.w3.org/2001/XMLSchema-instance" xmlns:pc="http://schemas.microsoft.com/office/infopath/2007/PartnerControls">
   <documentManagement>
@@ -10732,6 +11779,14 @@
 </file>
 
 <file path=customXml/itemProps1.xml><?xml version="1.0" encoding="utf-8"?>
+<ds:datastoreItem xmlns:ds="http://schemas.openxmlformats.org/officeDocument/2006/customXml" ds:itemID="{E81065B3-3777-4999-973C-585DFCACCEAE}">
+  <ds:schemaRefs>
+    <ds:schemaRef ds:uri="http://schemas.microsoft.com/sharepoint/v3/contenttype/forms"/>
+  </ds:schemaRefs>
+</ds:datastoreItem>
+</file>
+
+<file path=customXml/itemProps2.xml><?xml version="1.0" encoding="utf-8"?>
 <ds:datastoreItem xmlns:ds="http://schemas.openxmlformats.org/officeDocument/2006/customXml" ds:itemID="{79179937-D529-46E4-8199-176668181491}">
   <ds:schemaRefs>
     <ds:schemaRef ds:uri="http://schemas.microsoft.com/office/2006/metadata/contentType"/>
@@ -10746,14 +11801,6 @@
     <ds:schemaRef ds:uri="http://purl.org/dc/elements/1.1/"/>
     <ds:schemaRef ds:uri="http://purl.org/dc/terms/"/>
     <ds:schemaRef ds:uri="http://schemas.microsoft.com/internal/obd"/>
-  </ds:schemaRefs>
-</ds:datastoreItem>
-</file>
-
-<file path=customXml/itemProps2.xml><?xml version="1.0" encoding="utf-8"?>
-<ds:datastoreItem xmlns:ds="http://schemas.openxmlformats.org/officeDocument/2006/customXml" ds:itemID="{E81065B3-3777-4999-973C-585DFCACCEAE}">
-  <ds:schemaRefs>
-    <ds:schemaRef ds:uri="http://schemas.microsoft.com/sharepoint/v3/contenttype/forms"/>
   </ds:schemaRefs>
 </ds:datastoreItem>
 </file>

--- a/Documents/sushi_project_summary.pptx
+++ b/Documents/sushi_project_summary.pptx
@@ -8849,8 +8849,8 @@
         </p:nvSpPr>
         <p:spPr>
           <a:xfrm>
-            <a:off x="6677874" y="3176706"/>
-            <a:ext cx="4932251" cy="4062651"/>
+            <a:off x="1280160" y="3176706"/>
+            <a:ext cx="17007840" cy="4505849"/>
           </a:xfrm>
           <a:prstGeom prst="rect">
             <a:avLst/>
@@ -8883,7 +8883,17 @@
               </a:rPr>
               <a:t>Online Sushi</a:t>
             </a:r>
-            <a:endParaRPr lang="en-US" sz="6000" dirty="0"/>
+          </a:p>
+          <a:p>
+            <a:pPr lvl="0">
+              <a:lnSpc>
+                <a:spcPct val="119998"/>
+              </a:lnSpc>
+            </a:pPr>
+            <a:r>
+              <a:rPr lang="en-US" sz="2400" dirty="0"/>
+              <a:t>https://github.com/dongguowu/map07-group03-test.git</a:t>
+            </a:r>
           </a:p>
           <a:p>
             <a:pPr lvl="0">
@@ -11570,15 +11580,6 @@
 </file>
 
 <file path=customXml/item1.xml><?xml version="1.0" encoding="utf-8"?>
-<?mso-contentType ?>
-<FormTemplates xmlns="http://schemas.microsoft.com/sharepoint/v3/contenttype/forms">
-  <Display>DocumentLibraryForm</Display>
-  <Edit>DocumentLibraryForm</Edit>
-  <New>DocumentLibraryForm</New>
-</FormTemplates>
-</file>
-
-<file path=customXml/item2.xml><?xml version="1.0" encoding="utf-8"?>
 <ct:contentTypeSchema xmlns:ct="http://schemas.microsoft.com/office/2006/metadata/contentType" xmlns:ma="http://schemas.microsoft.com/office/2006/metadata/properties/metaAttributes" ct:_="" ma:_="" ma:contentTypeName="Document" ma:contentTypeID="0x0101007933C5876CF8B14FB25009BC8B6FCF75" ma:contentTypeVersion="10" ma:contentTypeDescription="Create a new document." ma:contentTypeScope="" ma:versionID="94c33bec420df109bda06e7f885854b8">
   <xsd:schema xmlns:xsd="http://www.w3.org/2001/XMLSchema" xmlns:xs="http://www.w3.org/2001/XMLSchema" xmlns:p="http://schemas.microsoft.com/office/2006/metadata/properties" xmlns:ns2="3069e12a-73fc-4131-a847-61c121fd5e5b" xmlns:ns3="6c408122-5d78-4284-a254-ad0369ce0e58" targetNamespace="http://schemas.microsoft.com/office/2006/metadata/properties" ma:root="true" ma:fieldsID="4e149b171deaac90221ba2519a0095f4" ns2:_="" ns3:_="">
     <xsd:import namespace="3069e12a-73fc-4131-a847-61c121fd5e5b"/>
@@ -11767,6 +11768,15 @@
 </ct:contentTypeSchema>
 </file>
 
+<file path=customXml/item2.xml><?xml version="1.0" encoding="utf-8"?>
+<?mso-contentType ?>
+<FormTemplates xmlns="http://schemas.microsoft.com/sharepoint/v3/contenttype/forms">
+  <Display>DocumentLibraryForm</Display>
+  <Edit>DocumentLibraryForm</Edit>
+  <New>DocumentLibraryForm</New>
+</FormTemplates>
+</file>
+
 <file path=customXml/item3.xml><?xml version="1.0" encoding="utf-8"?>
 <p:properties xmlns:p="http://schemas.microsoft.com/office/2006/metadata/properties" xmlns:xsi="http://www.w3.org/2001/XMLSchema-instance" xmlns:pc="http://schemas.microsoft.com/office/infopath/2007/PartnerControls">
   <documentManagement>
@@ -11779,14 +11789,6 @@
 </file>
 
 <file path=customXml/itemProps1.xml><?xml version="1.0" encoding="utf-8"?>
-<ds:datastoreItem xmlns:ds="http://schemas.openxmlformats.org/officeDocument/2006/customXml" ds:itemID="{E81065B3-3777-4999-973C-585DFCACCEAE}">
-  <ds:schemaRefs>
-    <ds:schemaRef ds:uri="http://schemas.microsoft.com/sharepoint/v3/contenttype/forms"/>
-  </ds:schemaRefs>
-</ds:datastoreItem>
-</file>
-
-<file path=customXml/itemProps2.xml><?xml version="1.0" encoding="utf-8"?>
 <ds:datastoreItem xmlns:ds="http://schemas.openxmlformats.org/officeDocument/2006/customXml" ds:itemID="{79179937-D529-46E4-8199-176668181491}">
   <ds:schemaRefs>
     <ds:schemaRef ds:uri="http://schemas.microsoft.com/office/2006/metadata/contentType"/>
@@ -11801,6 +11803,14 @@
     <ds:schemaRef ds:uri="http://purl.org/dc/elements/1.1/"/>
     <ds:schemaRef ds:uri="http://purl.org/dc/terms/"/>
     <ds:schemaRef ds:uri="http://schemas.microsoft.com/internal/obd"/>
+  </ds:schemaRefs>
+</ds:datastoreItem>
+</file>
+
+<file path=customXml/itemProps2.xml><?xml version="1.0" encoding="utf-8"?>
+<ds:datastoreItem xmlns:ds="http://schemas.openxmlformats.org/officeDocument/2006/customXml" ds:itemID="{E81065B3-3777-4999-973C-585DFCACCEAE}">
+  <ds:schemaRefs>
+    <ds:schemaRef ds:uri="http://schemas.microsoft.com/sharepoint/v3/contenttype/forms"/>
   </ds:schemaRefs>
 </ds:datastoreItem>
 </file>
